--- a/Soft_Finger_0731.pptx
+++ b/Soft_Finger_0731.pptx
@@ -123,8 +123,136 @@
 <p1510:revInfo xmlns:a="http://schemas.openxmlformats.org/drawingml/2006/main" xmlns:r="http://schemas.openxmlformats.org/officeDocument/2006/relationships" xmlns:p1510="http://schemas.microsoft.com/office/powerpoint/2015/10/main">
   <p1510:revLst>
     <p1510:client id="{4A9C568E-E4CE-4A28-8824-33CCFF86E095}" v="35" dt="2024-07-31T08:26:25.477"/>
+    <p1510:client id="{C4892C08-B6FD-4BEB-A81D-CE243C921473}" v="7" dt="2024-08-01T05:04:52.865"/>
   </p1510:revLst>
 </p1510:revInfo>
+</file>
+
+<file path=ppt/changesInfos/changesInfo1.xml><?xml version="1.0" encoding="utf-8"?>
+<pc:chgInfo xmlns:a="http://schemas.openxmlformats.org/drawingml/2006/main" xmlns:r="http://schemas.openxmlformats.org/officeDocument/2006/relationships" xmlns:ac="http://schemas.microsoft.com/office/drawing/2013/main/command" xmlns:pc="http://schemas.microsoft.com/office/powerpoint/2013/main/command">
+  <pc:docChgLst>
+    <pc:chgData name="준섭 오" userId="1323eee44732c443" providerId="LiveId" clId="{C4892C08-B6FD-4BEB-A81D-CE243C921473}"/>
+    <pc:docChg chg="custSel modSld">
+      <pc:chgData name="준섭 오" userId="1323eee44732c443" providerId="LiveId" clId="{C4892C08-B6FD-4BEB-A81D-CE243C921473}" dt="2024-08-01T05:05:59.631" v="58" actId="1076"/>
+      <pc:docMkLst>
+        <pc:docMk/>
+      </pc:docMkLst>
+      <pc:sldChg chg="modSp mod">
+        <pc:chgData name="준섭 오" userId="1323eee44732c443" providerId="LiveId" clId="{C4892C08-B6FD-4BEB-A81D-CE243C921473}" dt="2024-08-01T05:05:59.631" v="58" actId="1076"/>
+        <pc:sldMkLst>
+          <pc:docMk/>
+          <pc:sldMk cId="3256057856" sldId="256"/>
+        </pc:sldMkLst>
+        <pc:grpChg chg="mod">
+          <ac:chgData name="준섭 오" userId="1323eee44732c443" providerId="LiveId" clId="{C4892C08-B6FD-4BEB-A81D-CE243C921473}" dt="2024-08-01T05:05:59.631" v="58" actId="1076"/>
+          <ac:grpSpMkLst>
+            <pc:docMk/>
+            <pc:sldMk cId="3256057856" sldId="256"/>
+            <ac:grpSpMk id="2" creationId="{2C9B5A84-E75B-9E7D-F609-56D4C9655B19}"/>
+          </ac:grpSpMkLst>
+        </pc:grpChg>
+      </pc:sldChg>
+      <pc:sldChg chg="addSp delSp modSp mod">
+        <pc:chgData name="준섭 오" userId="1323eee44732c443" providerId="LiveId" clId="{C4892C08-B6FD-4BEB-A81D-CE243C921473}" dt="2024-08-01T05:04:16.547" v="27" actId="1076"/>
+        <pc:sldMkLst>
+          <pc:docMk/>
+          <pc:sldMk cId="2937466682" sldId="258"/>
+        </pc:sldMkLst>
+        <pc:spChg chg="add del mod">
+          <ac:chgData name="준섭 오" userId="1323eee44732c443" providerId="LiveId" clId="{C4892C08-B6FD-4BEB-A81D-CE243C921473}" dt="2024-08-01T05:03:08.217" v="1" actId="478"/>
+          <ac:spMkLst>
+            <pc:docMk/>
+            <pc:sldMk cId="2937466682" sldId="258"/>
+            <ac:spMk id="2" creationId="{933DFEE0-3CAC-E45F-8640-B955D80171E9}"/>
+          </ac:spMkLst>
+        </pc:spChg>
+        <pc:spChg chg="add mod">
+          <ac:chgData name="준섭 오" userId="1323eee44732c443" providerId="LiveId" clId="{C4892C08-B6FD-4BEB-A81D-CE243C921473}" dt="2024-08-01T05:04:16.547" v="27" actId="1076"/>
+          <ac:spMkLst>
+            <pc:docMk/>
+            <pc:sldMk cId="2937466682" sldId="258"/>
+            <ac:spMk id="3" creationId="{93F4DC52-D434-8EE5-AF24-314F12592CF7}"/>
+          </ac:spMkLst>
+        </pc:spChg>
+      </pc:sldChg>
+      <pc:sldChg chg="addSp modSp mod">
+        <pc:chgData name="준섭 오" userId="1323eee44732c443" providerId="LiveId" clId="{C4892C08-B6FD-4BEB-A81D-CE243C921473}" dt="2024-08-01T05:04:34.107" v="38" actId="1076"/>
+        <pc:sldMkLst>
+          <pc:docMk/>
+          <pc:sldMk cId="323906404" sldId="259"/>
+        </pc:sldMkLst>
+        <pc:spChg chg="add mod">
+          <ac:chgData name="준섭 오" userId="1323eee44732c443" providerId="LiveId" clId="{C4892C08-B6FD-4BEB-A81D-CE243C921473}" dt="2024-08-01T05:04:34.107" v="38" actId="1076"/>
+          <ac:spMkLst>
+            <pc:docMk/>
+            <pc:sldMk cId="323906404" sldId="259"/>
+            <ac:spMk id="2" creationId="{218A725E-F309-540A-61D3-02D4B0C36D33}"/>
+          </ac:spMkLst>
+        </pc:spChg>
+      </pc:sldChg>
+      <pc:sldChg chg="addSp modSp mod">
+        <pc:chgData name="준섭 오" userId="1323eee44732c443" providerId="LiveId" clId="{C4892C08-B6FD-4BEB-A81D-CE243C921473}" dt="2024-08-01T05:04:50.764" v="51" actId="1076"/>
+        <pc:sldMkLst>
+          <pc:docMk/>
+          <pc:sldMk cId="1299342871" sldId="260"/>
+        </pc:sldMkLst>
+        <pc:spChg chg="add mod">
+          <ac:chgData name="준섭 오" userId="1323eee44732c443" providerId="LiveId" clId="{C4892C08-B6FD-4BEB-A81D-CE243C921473}" dt="2024-08-01T05:04:50.764" v="51" actId="1076"/>
+          <ac:spMkLst>
+            <pc:docMk/>
+            <pc:sldMk cId="1299342871" sldId="260"/>
+            <ac:spMk id="8" creationId="{4B90E248-5F19-8EF0-49DA-017D30E63B23}"/>
+          </ac:spMkLst>
+        </pc:spChg>
+      </pc:sldChg>
+      <pc:sldChg chg="addSp modSp mod">
+        <pc:chgData name="준섭 오" userId="1323eee44732c443" providerId="LiveId" clId="{C4892C08-B6FD-4BEB-A81D-CE243C921473}" dt="2024-08-01T05:04:59.801" v="57" actId="1076"/>
+        <pc:sldMkLst>
+          <pc:docMk/>
+          <pc:sldMk cId="3201859866" sldId="261"/>
+        </pc:sldMkLst>
+        <pc:spChg chg="add mod">
+          <ac:chgData name="준섭 오" userId="1323eee44732c443" providerId="LiveId" clId="{C4892C08-B6FD-4BEB-A81D-CE243C921473}" dt="2024-08-01T05:04:59.801" v="57" actId="1076"/>
+          <ac:spMkLst>
+            <pc:docMk/>
+            <pc:sldMk cId="3201859866" sldId="261"/>
+            <ac:spMk id="8" creationId="{44229F80-5AB1-E15A-3CD8-36E10C7CCF96}"/>
+          </ac:spMkLst>
+        </pc:spChg>
+      </pc:sldChg>
+      <pc:sldChg chg="addSp modSp mod">
+        <pc:chgData name="준섭 오" userId="1323eee44732c443" providerId="LiveId" clId="{C4892C08-B6FD-4BEB-A81D-CE243C921473}" dt="2024-08-01T05:04:24.320" v="34" actId="20577"/>
+        <pc:sldMkLst>
+          <pc:docMk/>
+          <pc:sldMk cId="1481339670" sldId="262"/>
+        </pc:sldMkLst>
+        <pc:spChg chg="add mod">
+          <ac:chgData name="준섭 오" userId="1323eee44732c443" providerId="LiveId" clId="{C4892C08-B6FD-4BEB-A81D-CE243C921473}" dt="2024-08-01T05:04:24.320" v="34" actId="20577"/>
+          <ac:spMkLst>
+            <pc:docMk/>
+            <pc:sldMk cId="1481339670" sldId="262"/>
+            <ac:spMk id="2" creationId="{520C9508-13DE-7957-9B52-41A7362A9425}"/>
+          </ac:spMkLst>
+        </pc:spChg>
+      </pc:sldChg>
+      <pc:sldChg chg="addSp modSp mod">
+        <pc:chgData name="준섭 오" userId="1323eee44732c443" providerId="LiveId" clId="{C4892C08-B6FD-4BEB-A81D-CE243C921473}" dt="2024-08-01T05:04:42.586" v="47" actId="20577"/>
+        <pc:sldMkLst>
+          <pc:docMk/>
+          <pc:sldMk cId="1713032812" sldId="263"/>
+        </pc:sldMkLst>
+        <pc:spChg chg="add mod">
+          <ac:chgData name="준섭 오" userId="1323eee44732c443" providerId="LiveId" clId="{C4892C08-B6FD-4BEB-A81D-CE243C921473}" dt="2024-08-01T05:04:42.586" v="47" actId="20577"/>
+          <ac:spMkLst>
+            <pc:docMk/>
+            <pc:sldMk cId="1713032812" sldId="263"/>
+            <ac:spMk id="2" creationId="{2DBD04E3-9EC2-05E7-E63E-21975BDAF38E}"/>
+          </ac:spMkLst>
+        </pc:spChg>
+      </pc:sldChg>
+    </pc:docChg>
+  </pc:docChgLst>
+</pc:chgInfo>
 </file>
 
 <file path=ppt/slideLayouts/slideLayout1.xml><?xml version="1.0" encoding="utf-8"?>
@@ -274,7 +402,7 @@
           <a:p>
             <a:fld id="{843012E4-EA86-4BA1-A56C-00CD16D7F17B}" type="datetimeFigureOut">
               <a:rPr lang="ko-KR" altLang="en-US" smtClean="0"/>
-              <a:t>2024-07-31</a:t>
+              <a:t>2024-08-01</a:t>
             </a:fld>
             <a:endParaRPr lang="ko-KR" altLang="en-US"/>
           </a:p>
@@ -472,7 +600,7 @@
           <a:p>
             <a:fld id="{843012E4-EA86-4BA1-A56C-00CD16D7F17B}" type="datetimeFigureOut">
               <a:rPr lang="ko-KR" altLang="en-US" smtClean="0"/>
-              <a:t>2024-07-31</a:t>
+              <a:t>2024-08-01</a:t>
             </a:fld>
             <a:endParaRPr lang="ko-KR" altLang="en-US"/>
           </a:p>
@@ -680,7 +808,7 @@
           <a:p>
             <a:fld id="{843012E4-EA86-4BA1-A56C-00CD16D7F17B}" type="datetimeFigureOut">
               <a:rPr lang="ko-KR" altLang="en-US" smtClean="0"/>
-              <a:t>2024-07-31</a:t>
+              <a:t>2024-08-01</a:t>
             </a:fld>
             <a:endParaRPr lang="ko-KR" altLang="en-US"/>
           </a:p>
@@ -878,7 +1006,7 @@
           <a:p>
             <a:fld id="{843012E4-EA86-4BA1-A56C-00CD16D7F17B}" type="datetimeFigureOut">
               <a:rPr lang="ko-KR" altLang="en-US" smtClean="0"/>
-              <a:t>2024-07-31</a:t>
+              <a:t>2024-08-01</a:t>
             </a:fld>
             <a:endParaRPr lang="ko-KR" altLang="en-US"/>
           </a:p>
@@ -1153,7 +1281,7 @@
           <a:p>
             <a:fld id="{843012E4-EA86-4BA1-A56C-00CD16D7F17B}" type="datetimeFigureOut">
               <a:rPr lang="ko-KR" altLang="en-US" smtClean="0"/>
-              <a:t>2024-07-31</a:t>
+              <a:t>2024-08-01</a:t>
             </a:fld>
             <a:endParaRPr lang="ko-KR" altLang="en-US"/>
           </a:p>
@@ -1418,7 +1546,7 @@
           <a:p>
             <a:fld id="{843012E4-EA86-4BA1-A56C-00CD16D7F17B}" type="datetimeFigureOut">
               <a:rPr lang="ko-KR" altLang="en-US" smtClean="0"/>
-              <a:t>2024-07-31</a:t>
+              <a:t>2024-08-01</a:t>
             </a:fld>
             <a:endParaRPr lang="ko-KR" altLang="en-US"/>
           </a:p>
@@ -1830,7 +1958,7 @@
           <a:p>
             <a:fld id="{843012E4-EA86-4BA1-A56C-00CD16D7F17B}" type="datetimeFigureOut">
               <a:rPr lang="ko-KR" altLang="en-US" smtClean="0"/>
-              <a:t>2024-07-31</a:t>
+              <a:t>2024-08-01</a:t>
             </a:fld>
             <a:endParaRPr lang="ko-KR" altLang="en-US"/>
           </a:p>
@@ -1971,7 +2099,7 @@
           <a:p>
             <a:fld id="{843012E4-EA86-4BA1-A56C-00CD16D7F17B}" type="datetimeFigureOut">
               <a:rPr lang="ko-KR" altLang="en-US" smtClean="0"/>
-              <a:t>2024-07-31</a:t>
+              <a:t>2024-08-01</a:t>
             </a:fld>
             <a:endParaRPr lang="ko-KR" altLang="en-US"/>
           </a:p>
@@ -2084,7 +2212,7 @@
           <a:p>
             <a:fld id="{843012E4-EA86-4BA1-A56C-00CD16D7F17B}" type="datetimeFigureOut">
               <a:rPr lang="ko-KR" altLang="en-US" smtClean="0"/>
-              <a:t>2024-07-31</a:t>
+              <a:t>2024-08-01</a:t>
             </a:fld>
             <a:endParaRPr lang="ko-KR" altLang="en-US"/>
           </a:p>
@@ -2395,7 +2523,7 @@
           <a:p>
             <a:fld id="{843012E4-EA86-4BA1-A56C-00CD16D7F17B}" type="datetimeFigureOut">
               <a:rPr lang="ko-KR" altLang="en-US" smtClean="0"/>
-              <a:t>2024-07-31</a:t>
+              <a:t>2024-08-01</a:t>
             </a:fld>
             <a:endParaRPr lang="ko-KR" altLang="en-US"/>
           </a:p>
@@ -2683,7 +2811,7 @@
           <a:p>
             <a:fld id="{843012E4-EA86-4BA1-A56C-00CD16D7F17B}" type="datetimeFigureOut">
               <a:rPr lang="ko-KR" altLang="en-US" smtClean="0"/>
-              <a:t>2024-07-31</a:t>
+              <a:t>2024-08-01</a:t>
             </a:fld>
             <a:endParaRPr lang="ko-KR" altLang="en-US"/>
           </a:p>
@@ -2924,7 +3052,7 @@
           <a:p>
             <a:fld id="{843012E4-EA86-4BA1-A56C-00CD16D7F17B}" type="datetimeFigureOut">
               <a:rPr lang="ko-KR" altLang="en-US" smtClean="0"/>
-              <a:t>2024-07-31</a:t>
+              <a:t>2024-08-01</a:t>
             </a:fld>
             <a:endParaRPr lang="ko-KR" altLang="en-US"/>
           </a:p>
@@ -4456,7 +4584,7 @@
         </p:nvGrpSpPr>
         <p:grpSpPr>
           <a:xfrm>
-            <a:off x="424432" y="789132"/>
+            <a:off x="466822" y="909000"/>
             <a:ext cx="11343136" cy="5040000"/>
             <a:chOff x="385098" y="534407"/>
             <a:chExt cx="11343136" cy="5040000"/>
@@ -4778,6 +4906,59 @@
           </a:prstGeom>
         </p:spPr>
       </p:pic>
+      <p:sp>
+        <p:nvSpPr>
+          <p:cNvPr id="3" name="TextBox 2">
+            <a:extLst>
+              <a:ext uri="{FF2B5EF4-FFF2-40B4-BE49-F238E27FC236}">
+                <a16:creationId xmlns:a16="http://schemas.microsoft.com/office/drawing/2014/main" id="{93F4DC52-D434-8EE5-AF24-314F12592CF7}"/>
+              </a:ext>
+            </a:extLst>
+          </p:cNvPr>
+          <p:cNvSpPr txBox="1"/>
+          <p:nvPr/>
+        </p:nvSpPr>
+        <p:spPr>
+          <a:xfrm>
+            <a:off x="5396574" y="385780"/>
+            <a:ext cx="1398851" cy="523220"/>
+          </a:xfrm>
+          <a:prstGeom prst="rect">
+            <a:avLst/>
+          </a:prstGeom>
+          <a:noFill/>
+        </p:spPr>
+        <p:txBody>
+          <a:bodyPr wrap="square" rtlCol="0">
+            <a:spAutoFit/>
+          </a:bodyPr>
+          <a:lstStyle/>
+          <a:p>
+            <a:pPr algn="ctr"/>
+            <a:r>
+              <a:rPr lang="en-US" altLang="ko-KR" sz="2800" b="1" dirty="0" err="1">
+                <a:latin typeface="Arial Unicode MS" panose="020B0604020202020204" pitchFamily="50" charset="-127"/>
+                <a:ea typeface="Arial Unicode MS" panose="020B0604020202020204" pitchFamily="50" charset="-127"/>
+                <a:cs typeface="Arial Unicode MS" panose="020B0604020202020204" pitchFamily="50" charset="-127"/>
+              </a:rPr>
+              <a:t>dn</a:t>
+            </a:r>
+            <a:r>
+              <a:rPr lang="en-US" altLang="ko-KR" sz="2800" b="1" dirty="0">
+                <a:latin typeface="Arial Unicode MS" panose="020B0604020202020204" pitchFamily="50" charset="-127"/>
+                <a:ea typeface="Arial Unicode MS" panose="020B0604020202020204" pitchFamily="50" charset="-127"/>
+                <a:cs typeface="Arial Unicode MS" panose="020B0604020202020204" pitchFamily="50" charset="-127"/>
+              </a:rPr>
+              <a:t> 1st</a:t>
+            </a:r>
+            <a:endParaRPr lang="ko-KR" altLang="en-US" sz="2800" b="1" dirty="0">
+              <a:latin typeface="Arial Unicode MS" panose="020B0604020202020204" pitchFamily="50" charset="-127"/>
+              <a:ea typeface="Arial Unicode MS" panose="020B0604020202020204" pitchFamily="50" charset="-127"/>
+              <a:cs typeface="Arial Unicode MS" panose="020B0604020202020204" pitchFamily="50" charset="-127"/>
+            </a:endParaRPr>
+          </a:p>
+        </p:txBody>
+      </p:sp>
     </p:spTree>
     <p:extLst>
       <p:ext uri="{BB962C8B-B14F-4D97-AF65-F5344CB8AC3E}">
@@ -5033,6 +5214,59 @@
           </a:prstGeom>
         </p:spPr>
       </p:pic>
+      <p:sp>
+        <p:nvSpPr>
+          <p:cNvPr id="2" name="TextBox 1">
+            <a:extLst>
+              <a:ext uri="{FF2B5EF4-FFF2-40B4-BE49-F238E27FC236}">
+                <a16:creationId xmlns:a16="http://schemas.microsoft.com/office/drawing/2014/main" id="{520C9508-13DE-7957-9B52-41A7362A9425}"/>
+              </a:ext>
+            </a:extLst>
+          </p:cNvPr>
+          <p:cNvSpPr txBox="1"/>
+          <p:nvPr/>
+        </p:nvSpPr>
+        <p:spPr>
+          <a:xfrm>
+            <a:off x="5396574" y="385780"/>
+            <a:ext cx="1398851" cy="523220"/>
+          </a:xfrm>
+          <a:prstGeom prst="rect">
+            <a:avLst/>
+          </a:prstGeom>
+          <a:noFill/>
+        </p:spPr>
+        <p:txBody>
+          <a:bodyPr wrap="square" rtlCol="0">
+            <a:spAutoFit/>
+          </a:bodyPr>
+          <a:lstStyle/>
+          <a:p>
+            <a:pPr algn="ctr"/>
+            <a:r>
+              <a:rPr lang="en-US" altLang="ko-KR" sz="2800" b="1" dirty="0" err="1">
+                <a:latin typeface="Arial Unicode MS" panose="020B0604020202020204" pitchFamily="50" charset="-127"/>
+                <a:ea typeface="Arial Unicode MS" panose="020B0604020202020204" pitchFamily="50" charset="-127"/>
+                <a:cs typeface="Arial Unicode MS" panose="020B0604020202020204" pitchFamily="50" charset="-127"/>
+              </a:rPr>
+              <a:t>dn</a:t>
+            </a:r>
+            <a:r>
+              <a:rPr lang="en-US" altLang="ko-KR" sz="2800" b="1" dirty="0">
+                <a:latin typeface="Arial Unicode MS" panose="020B0604020202020204" pitchFamily="50" charset="-127"/>
+                <a:ea typeface="Arial Unicode MS" panose="020B0604020202020204" pitchFamily="50" charset="-127"/>
+                <a:cs typeface="Arial Unicode MS" panose="020B0604020202020204" pitchFamily="50" charset="-127"/>
+              </a:rPr>
+              <a:t> 2nd</a:t>
+            </a:r>
+            <a:endParaRPr lang="ko-KR" altLang="en-US" sz="2800" b="1" dirty="0">
+              <a:latin typeface="Arial Unicode MS" panose="020B0604020202020204" pitchFamily="50" charset="-127"/>
+              <a:ea typeface="Arial Unicode MS" panose="020B0604020202020204" pitchFamily="50" charset="-127"/>
+              <a:cs typeface="Arial Unicode MS" panose="020B0604020202020204" pitchFamily="50" charset="-127"/>
+            </a:endParaRPr>
+          </a:p>
+        </p:txBody>
+      </p:sp>
     </p:spTree>
     <p:extLst>
       <p:ext uri="{BB962C8B-B14F-4D97-AF65-F5344CB8AC3E}">
@@ -5288,6 +5522,51 @@
           </a:prstGeom>
         </p:spPr>
       </p:pic>
+      <p:sp>
+        <p:nvSpPr>
+          <p:cNvPr id="2" name="TextBox 1">
+            <a:extLst>
+              <a:ext uri="{FF2B5EF4-FFF2-40B4-BE49-F238E27FC236}">
+                <a16:creationId xmlns:a16="http://schemas.microsoft.com/office/drawing/2014/main" id="{218A725E-F309-540A-61D3-02D4B0C36D33}"/>
+              </a:ext>
+            </a:extLst>
+          </p:cNvPr>
+          <p:cNvSpPr txBox="1"/>
+          <p:nvPr/>
+        </p:nvSpPr>
+        <p:spPr>
+          <a:xfrm>
+            <a:off x="5396574" y="385456"/>
+            <a:ext cx="1398851" cy="523220"/>
+          </a:xfrm>
+          <a:prstGeom prst="rect">
+            <a:avLst/>
+          </a:prstGeom>
+          <a:noFill/>
+        </p:spPr>
+        <p:txBody>
+          <a:bodyPr wrap="square" rtlCol="0">
+            <a:spAutoFit/>
+          </a:bodyPr>
+          <a:lstStyle/>
+          <a:p>
+            <a:pPr algn="ctr"/>
+            <a:r>
+              <a:rPr lang="en-US" altLang="ko-KR" sz="2800" b="1" dirty="0">
+                <a:latin typeface="Arial Unicode MS" panose="020B0604020202020204" pitchFamily="50" charset="-127"/>
+                <a:ea typeface="Arial Unicode MS" panose="020B0604020202020204" pitchFamily="50" charset="-127"/>
+                <a:cs typeface="Arial Unicode MS" panose="020B0604020202020204" pitchFamily="50" charset="-127"/>
+              </a:rPr>
+              <a:t>un 1st</a:t>
+            </a:r>
+            <a:endParaRPr lang="ko-KR" altLang="en-US" sz="2800" b="1" dirty="0">
+              <a:latin typeface="Arial Unicode MS" panose="020B0604020202020204" pitchFamily="50" charset="-127"/>
+              <a:ea typeface="Arial Unicode MS" panose="020B0604020202020204" pitchFamily="50" charset="-127"/>
+              <a:cs typeface="Arial Unicode MS" panose="020B0604020202020204" pitchFamily="50" charset="-127"/>
+            </a:endParaRPr>
+          </a:p>
+        </p:txBody>
+      </p:sp>
     </p:spTree>
     <p:extLst>
       <p:ext uri="{BB962C8B-B14F-4D97-AF65-F5344CB8AC3E}">
@@ -5628,6 +5907,51 @@
           </p:txBody>
         </p:sp>
       </p:grpSp>
+      <p:sp>
+        <p:nvSpPr>
+          <p:cNvPr id="2" name="TextBox 1">
+            <a:extLst>
+              <a:ext uri="{FF2B5EF4-FFF2-40B4-BE49-F238E27FC236}">
+                <a16:creationId xmlns:a16="http://schemas.microsoft.com/office/drawing/2014/main" id="{2DBD04E3-9EC2-05E7-E63E-21975BDAF38E}"/>
+              </a:ext>
+            </a:extLst>
+          </p:cNvPr>
+          <p:cNvSpPr txBox="1"/>
+          <p:nvPr/>
+        </p:nvSpPr>
+        <p:spPr>
+          <a:xfrm>
+            <a:off x="5396574" y="385780"/>
+            <a:ext cx="1398851" cy="523220"/>
+          </a:xfrm>
+          <a:prstGeom prst="rect">
+            <a:avLst/>
+          </a:prstGeom>
+          <a:noFill/>
+        </p:spPr>
+        <p:txBody>
+          <a:bodyPr wrap="square" rtlCol="0">
+            <a:spAutoFit/>
+          </a:bodyPr>
+          <a:lstStyle/>
+          <a:p>
+            <a:pPr algn="ctr"/>
+            <a:r>
+              <a:rPr lang="en-US" altLang="ko-KR" sz="2800" b="1" dirty="0">
+                <a:latin typeface="Arial Unicode MS" panose="020B0604020202020204" pitchFamily="50" charset="-127"/>
+                <a:ea typeface="Arial Unicode MS" panose="020B0604020202020204" pitchFamily="50" charset="-127"/>
+                <a:cs typeface="Arial Unicode MS" panose="020B0604020202020204" pitchFamily="50" charset="-127"/>
+              </a:rPr>
+              <a:t>un 2nd</a:t>
+            </a:r>
+            <a:endParaRPr lang="ko-KR" altLang="en-US" sz="2800" b="1" dirty="0">
+              <a:latin typeface="Arial Unicode MS" panose="020B0604020202020204" pitchFamily="50" charset="-127"/>
+              <a:ea typeface="Arial Unicode MS" panose="020B0604020202020204" pitchFamily="50" charset="-127"/>
+              <a:cs typeface="Arial Unicode MS" panose="020B0604020202020204" pitchFamily="50" charset="-127"/>
+            </a:endParaRPr>
+          </a:p>
+        </p:txBody>
+      </p:sp>
     </p:spTree>
     <p:extLst>
       <p:ext uri="{BB962C8B-B14F-4D97-AF65-F5344CB8AC3E}">
@@ -5883,6 +6207,59 @@
           </a:prstGeom>
         </p:spPr>
       </p:pic>
+      <p:sp>
+        <p:nvSpPr>
+          <p:cNvPr id="8" name="TextBox 7">
+            <a:extLst>
+              <a:ext uri="{FF2B5EF4-FFF2-40B4-BE49-F238E27FC236}">
+                <a16:creationId xmlns:a16="http://schemas.microsoft.com/office/drawing/2014/main" id="{4B90E248-5F19-8EF0-49DA-017D30E63B23}"/>
+              </a:ext>
+            </a:extLst>
+          </p:cNvPr>
+          <p:cNvSpPr txBox="1"/>
+          <p:nvPr/>
+        </p:nvSpPr>
+        <p:spPr>
+          <a:xfrm>
+            <a:off x="5396574" y="290767"/>
+            <a:ext cx="1398851" cy="523220"/>
+          </a:xfrm>
+          <a:prstGeom prst="rect">
+            <a:avLst/>
+          </a:prstGeom>
+          <a:noFill/>
+        </p:spPr>
+        <p:txBody>
+          <a:bodyPr wrap="square" rtlCol="0">
+            <a:spAutoFit/>
+          </a:bodyPr>
+          <a:lstStyle/>
+          <a:p>
+            <a:pPr algn="ctr"/>
+            <a:r>
+              <a:rPr lang="en-US" altLang="ko-KR" sz="2800" b="1" dirty="0" err="1">
+                <a:latin typeface="Arial Unicode MS" panose="020B0604020202020204" pitchFamily="50" charset="-127"/>
+                <a:ea typeface="Arial Unicode MS" panose="020B0604020202020204" pitchFamily="50" charset="-127"/>
+                <a:cs typeface="Arial Unicode MS" panose="020B0604020202020204" pitchFamily="50" charset="-127"/>
+              </a:rPr>
+              <a:t>dp</a:t>
+            </a:r>
+            <a:r>
+              <a:rPr lang="en-US" altLang="ko-KR" sz="2800" b="1" dirty="0">
+                <a:latin typeface="Arial Unicode MS" panose="020B0604020202020204" pitchFamily="50" charset="-127"/>
+                <a:ea typeface="Arial Unicode MS" panose="020B0604020202020204" pitchFamily="50" charset="-127"/>
+                <a:cs typeface="Arial Unicode MS" panose="020B0604020202020204" pitchFamily="50" charset="-127"/>
+              </a:rPr>
+              <a:t> 1st</a:t>
+            </a:r>
+            <a:endParaRPr lang="ko-KR" altLang="en-US" sz="2800" b="1" dirty="0">
+              <a:latin typeface="Arial Unicode MS" panose="020B0604020202020204" pitchFamily="50" charset="-127"/>
+              <a:ea typeface="Arial Unicode MS" panose="020B0604020202020204" pitchFamily="50" charset="-127"/>
+              <a:cs typeface="Arial Unicode MS" panose="020B0604020202020204" pitchFamily="50" charset="-127"/>
+            </a:endParaRPr>
+          </a:p>
+        </p:txBody>
+      </p:sp>
     </p:spTree>
     <p:extLst>
       <p:ext uri="{BB962C8B-B14F-4D97-AF65-F5344CB8AC3E}">
@@ -6138,6 +6515,51 @@
           </a:prstGeom>
         </p:spPr>
       </p:pic>
+      <p:sp>
+        <p:nvSpPr>
+          <p:cNvPr id="8" name="TextBox 7">
+            <a:extLst>
+              <a:ext uri="{FF2B5EF4-FFF2-40B4-BE49-F238E27FC236}">
+                <a16:creationId xmlns:a16="http://schemas.microsoft.com/office/drawing/2014/main" id="{44229F80-5AB1-E15A-3CD8-36E10C7CCF96}"/>
+              </a:ext>
+            </a:extLst>
+          </p:cNvPr>
+          <p:cNvSpPr txBox="1"/>
+          <p:nvPr/>
+        </p:nvSpPr>
+        <p:spPr>
+          <a:xfrm>
+            <a:off x="5396574" y="281277"/>
+            <a:ext cx="1398851" cy="523220"/>
+          </a:xfrm>
+          <a:prstGeom prst="rect">
+            <a:avLst/>
+          </a:prstGeom>
+          <a:noFill/>
+        </p:spPr>
+        <p:txBody>
+          <a:bodyPr wrap="square" rtlCol="0">
+            <a:spAutoFit/>
+          </a:bodyPr>
+          <a:lstStyle/>
+          <a:p>
+            <a:pPr algn="ctr"/>
+            <a:r>
+              <a:rPr lang="en-US" altLang="ko-KR" sz="2800" b="1" dirty="0">
+                <a:latin typeface="Arial Unicode MS" panose="020B0604020202020204" pitchFamily="50" charset="-127"/>
+                <a:ea typeface="Arial Unicode MS" panose="020B0604020202020204" pitchFamily="50" charset="-127"/>
+                <a:cs typeface="Arial Unicode MS" panose="020B0604020202020204" pitchFamily="50" charset="-127"/>
+              </a:rPr>
+              <a:t>up 1st</a:t>
+            </a:r>
+            <a:endParaRPr lang="ko-KR" altLang="en-US" sz="2800" b="1" dirty="0">
+              <a:latin typeface="Arial Unicode MS" panose="020B0604020202020204" pitchFamily="50" charset="-127"/>
+              <a:ea typeface="Arial Unicode MS" panose="020B0604020202020204" pitchFamily="50" charset="-127"/>
+              <a:cs typeface="Arial Unicode MS" panose="020B0604020202020204" pitchFamily="50" charset="-127"/>
+            </a:endParaRPr>
+          </a:p>
+        </p:txBody>
+      </p:sp>
     </p:spTree>
     <p:extLst>
       <p:ext uri="{BB962C8B-B14F-4D97-AF65-F5344CB8AC3E}">
